--- a/ML project final ppt.pptx
+++ b/ML project final ppt.pptx
@@ -7083,8 +7083,19 @@
                 <a:latin typeface="Times New Roman" panose="02020603050405020304" pitchFamily="18" charset="0"/>
                 <a:cs typeface="Times New Roman" panose="02020603050405020304" pitchFamily="18" charset="0"/>
               </a:rPr>
-              <a:t>K. Nikhil Reddy</a:t>
-            </a:r>
+              <a:t>K. </a:t>
+            </a:r>
+            <a:r>
+              <a:rPr lang="en-US">
+                <a:latin typeface="Times New Roman" panose="02020603050405020304" pitchFamily="18" charset="0"/>
+                <a:cs typeface="Times New Roman" panose="02020603050405020304" pitchFamily="18" charset="0"/>
+              </a:rPr>
+              <a:t>Nikhil Reddy(700739505)</a:t>
+            </a:r>
+            <a:endParaRPr lang="en-US" dirty="0">
+              <a:latin typeface="Times New Roman" panose="02020603050405020304" pitchFamily="18" charset="0"/>
+              <a:cs typeface="Times New Roman" panose="02020603050405020304" pitchFamily="18" charset="0"/>
+            </a:endParaRPr>
           </a:p>
           <a:p>
             <a:pPr algn="r"/>
@@ -7093,7 +7104,7 @@
                 <a:latin typeface="Times New Roman" panose="02020603050405020304" pitchFamily="18" charset="0"/>
                 <a:cs typeface="Times New Roman" panose="02020603050405020304" pitchFamily="18" charset="0"/>
               </a:rPr>
-              <a:t>N. Bhupendra Sai</a:t>
+              <a:t>N. Bhupendra Sai(700734676)</a:t>
             </a:r>
           </a:p>
           <a:p>
@@ -7103,33 +7114,8 @@
                 <a:latin typeface="Times New Roman" panose="02020603050405020304" pitchFamily="18" charset="0"/>
                 <a:cs typeface="Times New Roman" panose="02020603050405020304" pitchFamily="18" charset="0"/>
               </a:rPr>
-              <a:t>P. Nani Siva </a:t>
-            </a:r>
-            <a:r>
-              <a:rPr lang="en-US">
-                <a:latin typeface="Times New Roman" panose="02020603050405020304" pitchFamily="18" charset="0"/>
-                <a:cs typeface="Times New Roman" panose="02020603050405020304" pitchFamily="18" charset="0"/>
-              </a:rPr>
-              <a:t>Rama </a:t>
-            </a:r>
-            <a:r>
-              <a:rPr lang="en-US" dirty="0">
-                <a:latin typeface="Times New Roman" panose="02020603050405020304" pitchFamily="18" charset="0"/>
-                <a:cs typeface="Times New Roman" panose="02020603050405020304" pitchFamily="18" charset="0"/>
-              </a:rPr>
-              <a:t>K</a:t>
-            </a:r>
-            <a:r>
-              <a:rPr lang="en-US">
-                <a:latin typeface="Times New Roman" panose="02020603050405020304" pitchFamily="18" charset="0"/>
-                <a:cs typeface="Times New Roman" panose="02020603050405020304" pitchFamily="18" charset="0"/>
-              </a:rPr>
-              <a:t>rishna</a:t>
-            </a:r>
-            <a:endParaRPr lang="en-US" dirty="0">
-              <a:latin typeface="Times New Roman" panose="02020603050405020304" pitchFamily="18" charset="0"/>
-              <a:cs typeface="Times New Roman" panose="02020603050405020304" pitchFamily="18" charset="0"/>
-            </a:endParaRPr>
+              <a:t>P. Nani Siva Rama Krishna(700731657)</a:t>
+            </a:r>
           </a:p>
           <a:p>
             <a:pPr algn="r"/>
